--- a/Marp.pptx
+++ b/Marp.pptx
@@ -1039,7 +1039,13 @@
           <a:p>
             <a:r>
               <a:rPr lang="en-US" dirty="0"/>
-              <a:t/>
+              <a:t>```yaml
+---
+marp: true
+theme: Marp-slide
+paginate: true
+---
+```</a:t>
             </a:r>
             <a:endParaRPr lang="en-US" dirty="0"/>
           </a:p>
@@ -1127,7 +1133,15 @@
           <a:p>
             <a:r>
               <a:rPr lang="en-US" dirty="0"/>
-              <a:t/>
+              <a:t># 커스텀 테마 사용하기
+### 주요 스타일링 포인트
+- `section`: 슬라이드 기본 크기와 배경
+- `h1`, `h2`, `h3`: 제목 스타일
+- `ul`, `li`: 목록 스타일
+- `code`, `pre`: 코드 블록
+- `header`, `footer`: 머리글/바닥글
+자세한 스타일링 옵션은 [Marp 공식 문서](https://marpit.marp.app/theme-css) 참고
+---</a:t>
             </a:r>
             <a:endParaRPr lang="en-US" dirty="0"/>
           </a:p>

--- a/Marp.pptx
+++ b/Marp.pptx
@@ -1141,7 +1141,19 @@
 - `code`, `pre`: 코드 블록
 - `header`, `footer`: 머리글/바닥글
 자세한 스타일링 옵션은 [Marp 공식 문서](https://marpit.marp.app/theme-css) 참고
----</a:t>
+---
+# VS Code에서 미리보기
+&lt;div class="two-columns"&gt;
+&lt;div class="left-column"&gt;
+1. 단축키 사용: 
+   - **Window**: `Ctrl+K V` (측면에 미리보기 열기)
+   - **Mac**: `Cmd+K V` (측면에 미리보기 열기)
+2. 또는 명령 팔레트에서 "Marp: Toggle Preview" 선택
+&lt;/div&gt;
+&lt;div class="right-column"&gt;
+![height:400px](./image/Marp_미리보기.png)
+&lt;/div&gt;
+&lt;/div&gt;</a:t>
             </a:r>
             <a:endParaRPr lang="en-US" dirty="0"/>
           </a:p>
